--- a/09/slides.pptx
+++ b/09/slides.pptx
@@ -3544,23 +3544,90 @@
         <p:txBody>
           <a:bodyPr/>
           <a:p>
+            <a:r>
+              <a:rPr lang="en-US"/>
+              <a:t>CUDA C++</a:t>
+            </a:r>
+            <a:r>
+              <a:rPr lang="zh-CN" altLang="en-US"/>
+              <a:t>流体仿真实战</a:t>
+            </a:r>
+            <a:endParaRPr lang="zh-CN" altLang="en-US"/>
+          </a:p>
+        </p:txBody>
+      </p:sp>
+      <p:sp>
+        <p:nvSpPr>
+          <p:cNvPr id="3" name="Subtitle 2"/>
+          <p:cNvSpPr>
+            <a:spLocks noGrp="1"/>
+          </p:cNvSpPr>
+          <p:nvPr>
+            <p:ph type="subTitle" idx="1"/>
+          </p:nvPr>
+        </p:nvSpPr>
+        <p:spPr/>
+        <p:txBody>
+          <a:bodyPr/>
+          <a:p>
+            <a:r>
+              <a:rPr lang="en-US">
+                <a:sym typeface="+mn-ea"/>
+              </a:rPr>
+              <a:t>by </a:t>
+            </a:r>
+            <a:r>
+              <a:rPr lang="zh-CN" altLang="en-US">
+                <a:sym typeface="+mn-ea"/>
+              </a:rPr>
+              <a:t>彭于斌（</a:t>
+            </a:r>
+            <a:r>
+              <a:rPr lang="en-US" altLang="zh-CN">
+                <a:sym typeface="+mn-ea"/>
+              </a:rPr>
+              <a:t>@archibate</a:t>
+            </a:r>
+            <a:r>
+              <a:rPr lang="zh-CN" altLang="en-US">
+                <a:sym typeface="+mn-ea"/>
+              </a:rPr>
+              <a:t>）</a:t>
+            </a:r>
+            <a:endParaRPr lang="zh-CN" altLang="en-US"/>
+          </a:p>
+          <a:p>
+            <a:r>
+              <a:rPr lang="zh-CN" altLang="en-US">
+                <a:sym typeface="+mn-ea"/>
+              </a:rPr>
+              <a:t>往期录播：https://www.bilibili.com/video/BV16b4y1E74f</a:t>
+            </a:r>
+            <a:endParaRPr lang="zh-CN" altLang="en-US">
+              <a:sym typeface="+mn-ea"/>
+            </a:endParaRPr>
+          </a:p>
+          <a:p>
+            <a:r>
+              <a:rPr lang="zh-CN" altLang="en-US">
+                <a:sym typeface="+mn-ea"/>
+              </a:rPr>
+              <a:t>课程</a:t>
+            </a:r>
+            <a:r>
+              <a:rPr lang="en-US" altLang="zh-CN">
+                <a:sym typeface="+mn-ea"/>
+              </a:rPr>
+              <a:t>PPT</a:t>
+            </a:r>
+            <a:r>
+              <a:rPr lang="zh-CN" altLang="en-US">
+                <a:sym typeface="+mn-ea"/>
+              </a:rPr>
+              <a:t>和代码：https://github.com/parallel101/course</a:t>
+            </a:r>
             <a:endParaRPr lang="en-US"/>
           </a:p>
-        </p:txBody>
-      </p:sp>
-      <p:sp>
-        <p:nvSpPr>
-          <p:cNvPr id="3" name="Subtitle 2"/>
-          <p:cNvSpPr>
-            <a:spLocks noGrp="1"/>
-          </p:cNvSpPr>
-          <p:nvPr>
-            <p:ph type="subTitle" idx="1"/>
-          </p:nvPr>
-        </p:nvSpPr>
-        <p:spPr/>
-        <p:txBody>
-          <a:bodyPr/>
           <a:p>
             <a:endParaRPr lang="en-US"/>
           </a:p>

--- a/09/slides.pptx
+++ b/09/slides.pptx
@@ -5,14 +5,42 @@
     <p:sldMasterId id="2147483648" r:id="rId1"/>
   </p:sldMasterIdLst>
   <p:notesMasterIdLst>
-    <p:notesMasterId r:id="rId5"/>
+    <p:notesMasterId r:id="rId33"/>
   </p:notesMasterIdLst>
   <p:handoutMasterIdLst>
-    <p:handoutMasterId r:id="rId6"/>
+    <p:handoutMasterId r:id="rId34"/>
   </p:handoutMasterIdLst>
   <p:sldIdLst>
     <p:sldId id="256" r:id="rId3"/>
     <p:sldId id="257" r:id="rId4"/>
+    <p:sldId id="285" r:id="rId5"/>
+    <p:sldId id="259" r:id="rId6"/>
+    <p:sldId id="260" r:id="rId7"/>
+    <p:sldId id="258" r:id="rId8"/>
+    <p:sldId id="261" r:id="rId9"/>
+    <p:sldId id="287" r:id="rId10"/>
+    <p:sldId id="277" r:id="rId11"/>
+    <p:sldId id="278" r:id="rId12"/>
+    <p:sldId id="276" r:id="rId13"/>
+    <p:sldId id="286" r:id="rId14"/>
+    <p:sldId id="279" r:id="rId15"/>
+    <p:sldId id="284" r:id="rId16"/>
+    <p:sldId id="280" r:id="rId17"/>
+    <p:sldId id="288" r:id="rId18"/>
+    <p:sldId id="281" r:id="rId19"/>
+    <p:sldId id="282" r:id="rId20"/>
+    <p:sldId id="289" r:id="rId21"/>
+    <p:sldId id="264" r:id="rId22"/>
+    <p:sldId id="265" r:id="rId23"/>
+    <p:sldId id="266" r:id="rId24"/>
+    <p:sldId id="268" r:id="rId25"/>
+    <p:sldId id="271" r:id="rId26"/>
+    <p:sldId id="290" r:id="rId27"/>
+    <p:sldId id="274" r:id="rId28"/>
+    <p:sldId id="291" r:id="rId29"/>
+    <p:sldId id="292" r:id="rId30"/>
+    <p:sldId id="293" r:id="rId31"/>
+    <p:sldId id="295" r:id="rId32"/>
   </p:sldIdLst>
   <p:sldSz cx="12192000" cy="6858000"/>
   <p:notesSz cx="7103745" cy="10234295"/>
@@ -112,6 +140,12 @@
     </a:lvl9pPr>
   </p:defaultTextStyle>
 </p:presentation>
+</file>
+
+<file path=ppt/commentAuthors.xml><?xml version="1.0" encoding="utf-8"?>
+<p:cmAuthorLst xmlns:a="http://schemas.openxmlformats.org/drawingml/2006/main" xmlns:r="http://schemas.openxmlformats.org/officeDocument/2006/relationships" xmlns:p="http://schemas.openxmlformats.org/presentationml/2006/main">
+  <p:cmAuthor id="1" name="bate" initials="b" lastIdx="2" clrIdx="0"/>
+</p:cmAuthorLst>
 </file>
 
 <file path=ppt/handoutMasters/handoutMaster1.xml><?xml version="1.0" encoding="utf-8"?>
@@ -3546,7 +3580,7 @@
           <a:p>
             <a:r>
               <a:rPr lang="en-US"/>
-              <a:t>CUDA C++</a:t>
+              <a:t>CUDA C++ </a:t>
             </a:r>
             <a:r>
               <a:rPr lang="zh-CN" altLang="en-US"/>
@@ -3633,6 +3667,881 @@
           </a:p>
         </p:txBody>
       </p:sp>
+      <p:pic>
+        <p:nvPicPr>
+          <p:cNvPr id="5" name="Picture 4" descr="cppprogramR-C"/>
+          <p:cNvPicPr>
+            <a:picLocks noChangeAspect="1"/>
+          </p:cNvPicPr>
+          <p:nvPr/>
+        </p:nvPicPr>
+        <p:blipFill>
+          <a:blip r:embed="rId1"/>
+          <a:stretch>
+            <a:fillRect/>
+          </a:stretch>
+        </p:blipFill>
+        <p:spPr>
+          <a:xfrm>
+            <a:off x="0" y="0"/>
+            <a:ext cx="2333625" cy="2625090"/>
+          </a:xfrm>
+          <a:prstGeom prst="rect">
+            <a:avLst/>
+          </a:prstGeom>
+        </p:spPr>
+      </p:pic>
+      <p:pic>
+        <p:nvPicPr>
+          <p:cNvPr id="4" name="Picture 3"/>
+          <p:cNvPicPr>
+            <a:picLocks noChangeAspect="1"/>
+          </p:cNvPicPr>
+          <p:nvPr/>
+        </p:nvPicPr>
+        <p:blipFill>
+          <a:blip r:embed="rId2"/>
+          <a:stretch>
+            <a:fillRect/>
+          </a:stretch>
+        </p:blipFill>
+        <p:spPr>
+          <a:xfrm>
+            <a:off x="2319655" y="409575"/>
+            <a:ext cx="3028950" cy="1714500"/>
+          </a:xfrm>
+          <a:prstGeom prst="rect">
+            <a:avLst/>
+          </a:prstGeom>
+        </p:spPr>
+      </p:pic>
+    </p:spTree>
+  </p:cSld>
+  <p:clrMapOvr>
+    <a:masterClrMapping/>
+  </p:clrMapOvr>
+</p:sld>
+</file>
+
+<file path=ppt/slides/slide10.xml><?xml version="1.0" encoding="utf-8"?>
+<p:sld xmlns:a="http://schemas.openxmlformats.org/drawingml/2006/main" xmlns:r="http://schemas.openxmlformats.org/officeDocument/2006/relationships" xmlns:p="http://schemas.openxmlformats.org/presentationml/2006/main">
+  <p:cSld>
+    <p:spTree>
+      <p:nvGrpSpPr>
+        <p:cNvPr id="1" name=""/>
+        <p:cNvGrpSpPr/>
+        <p:nvPr/>
+      </p:nvGrpSpPr>
+      <p:grpSpPr/>
+      <p:sp>
+        <p:nvSpPr>
+          <p:cNvPr id="2" name="Title 1"/>
+          <p:cNvSpPr>
+            <a:spLocks noGrp="1"/>
+          </p:cNvSpPr>
+          <p:nvPr>
+            <p:ph type="title"/>
+          </p:nvPr>
+        </p:nvSpPr>
+        <p:spPr/>
+        <p:txBody>
+          <a:bodyPr/>
+          <a:p>
+            <a:r>
+              <a:rPr lang="zh-CN" altLang="en-US">
+                <a:sym typeface="+mn-ea"/>
+              </a:rPr>
+              <a:t>对流部分：根据对流后位置重新采样</a:t>
+            </a:r>
+            <a:endParaRPr lang="en-US"/>
+          </a:p>
+        </p:txBody>
+      </p:sp>
+      <p:sp>
+        <p:nvSpPr>
+          <p:cNvPr id="3" name="Content Placeholder 2"/>
+          <p:cNvSpPr>
+            <a:spLocks noGrp="1"/>
+          </p:cNvSpPr>
+          <p:nvPr>
+            <p:ph sz="half" idx="1"/>
+          </p:nvPr>
+        </p:nvSpPr>
+        <p:spPr>
+          <a:xfrm>
+            <a:off x="647700" y="1367155"/>
+            <a:ext cx="10790555" cy="3568700"/>
+          </a:xfrm>
+        </p:spPr>
+        <p:txBody>
+          <a:bodyPr/>
+          <a:p>
+            <a:endParaRPr lang="en-US"/>
+          </a:p>
+        </p:txBody>
+      </p:sp>
+      <p:pic>
+        <p:nvPicPr>
+          <p:cNvPr id="6" name="Content Placeholder 5"/>
+          <p:cNvPicPr>
+            <a:picLocks noChangeAspect="1"/>
+          </p:cNvPicPr>
+          <p:nvPr>
+            <p:ph sz="half" idx="2"/>
+          </p:nvPr>
+        </p:nvPicPr>
+        <p:blipFill>
+          <a:blip r:embed="rId1"/>
+          <a:stretch>
+            <a:fillRect/>
+          </a:stretch>
+        </p:blipFill>
+        <p:spPr>
+          <a:xfrm>
+            <a:off x="-17780" y="5191125"/>
+            <a:ext cx="12209780" cy="1666875"/>
+          </a:xfrm>
+          <a:prstGeom prst="rect">
+            <a:avLst/>
+          </a:prstGeom>
+        </p:spPr>
+      </p:pic>
+    </p:spTree>
+  </p:cSld>
+  <p:clrMapOvr>
+    <a:masterClrMapping/>
+  </p:clrMapOvr>
+</p:sld>
+</file>
+
+<file path=ppt/slides/slide11.xml><?xml version="1.0" encoding="utf-8"?>
+<p:sld xmlns:a="http://schemas.openxmlformats.org/drawingml/2006/main" xmlns:r="http://schemas.openxmlformats.org/officeDocument/2006/relationships" xmlns:p="http://schemas.openxmlformats.org/presentationml/2006/main">
+  <p:cSld>
+    <p:spTree>
+      <p:nvGrpSpPr>
+        <p:cNvPr id="1" name=""/>
+        <p:cNvGrpSpPr/>
+        <p:nvPr/>
+      </p:nvGrpSpPr>
+      <p:grpSpPr/>
+      <p:sp>
+        <p:nvSpPr>
+          <p:cNvPr id="2" name="Title 1"/>
+          <p:cNvSpPr>
+            <a:spLocks noGrp="1"/>
+          </p:cNvSpPr>
+          <p:nvPr>
+            <p:ph type="title"/>
+          </p:nvPr>
+        </p:nvSpPr>
+        <p:spPr/>
+        <p:txBody>
+          <a:bodyPr/>
+          <a:p>
+            <a:r>
+              <a:rPr lang="zh-CN" altLang="en-US"/>
+              <a:t>对流部分：最终实现</a:t>
+            </a:r>
+            <a:endParaRPr lang="zh-CN" altLang="en-US"/>
+          </a:p>
+        </p:txBody>
+      </p:sp>
+      <p:sp>
+        <p:nvSpPr>
+          <p:cNvPr id="3" name="Content Placeholder 2"/>
+          <p:cNvSpPr>
+            <a:spLocks noGrp="1"/>
+          </p:cNvSpPr>
+          <p:nvPr>
+            <p:ph sz="half" idx="1"/>
+          </p:nvPr>
+        </p:nvSpPr>
+        <p:spPr>
+          <a:xfrm>
+            <a:off x="647700" y="1331595"/>
+            <a:ext cx="10980420" cy="2814320"/>
+          </a:xfrm>
+        </p:spPr>
+        <p:txBody>
+          <a:bodyPr/>
+          <a:p>
+            <a:endParaRPr lang="en-US"/>
+          </a:p>
+        </p:txBody>
+      </p:sp>
+      <p:pic>
+        <p:nvPicPr>
+          <p:cNvPr id="5" name="Content Placeholder 4"/>
+          <p:cNvPicPr>
+            <a:picLocks noChangeAspect="1"/>
+          </p:cNvPicPr>
+          <p:nvPr>
+            <p:ph sz="half" idx="2"/>
+          </p:nvPr>
+        </p:nvPicPr>
+        <p:blipFill>
+          <a:blip r:embed="rId1"/>
+          <a:stretch>
+            <a:fillRect/>
+          </a:stretch>
+        </p:blipFill>
+        <p:spPr>
+          <a:xfrm>
+            <a:off x="0" y="4231640"/>
+            <a:ext cx="12197080" cy="2626360"/>
+          </a:xfrm>
+          <a:prstGeom prst="rect">
+            <a:avLst/>
+          </a:prstGeom>
+        </p:spPr>
+      </p:pic>
+    </p:spTree>
+  </p:cSld>
+  <p:clrMapOvr>
+    <a:masterClrMapping/>
+  </p:clrMapOvr>
+</p:sld>
+</file>
+
+<file path=ppt/slides/slide12.xml><?xml version="1.0" encoding="utf-8"?>
+<p:sld xmlns:a="http://schemas.openxmlformats.org/drawingml/2006/main" xmlns:r="http://schemas.openxmlformats.org/officeDocument/2006/relationships" xmlns:p="http://schemas.openxmlformats.org/presentationml/2006/main">
+  <p:cSld>
+    <p:spTree>
+      <p:nvGrpSpPr>
+        <p:cNvPr id="1" name=""/>
+        <p:cNvGrpSpPr/>
+        <p:nvPr/>
+      </p:nvGrpSpPr>
+      <p:grpSpPr/>
+      <p:sp>
+        <p:nvSpPr>
+          <p:cNvPr id="5" name="Title 4"/>
+          <p:cNvSpPr>
+            <a:spLocks noGrp="1"/>
+          </p:cNvSpPr>
+          <p:nvPr>
+            <p:ph type="title"/>
+          </p:nvPr>
+        </p:nvSpPr>
+        <p:spPr/>
+        <p:txBody>
+          <a:bodyPr/>
+          <a:p>
+            <a:r>
+              <a:rPr lang="zh-CN" altLang="en-US"/>
+              <a:t>投影部分</a:t>
+            </a:r>
+            <a:endParaRPr lang="zh-CN" altLang="en-US"/>
+          </a:p>
+        </p:txBody>
+      </p:sp>
+    </p:spTree>
+  </p:cSld>
+  <p:clrMapOvr>
+    <a:masterClrMapping/>
+  </p:clrMapOvr>
+</p:sld>
+</file>
+
+<file path=ppt/slides/slide13.xml><?xml version="1.0" encoding="utf-8"?>
+<p:sld xmlns:a="http://schemas.openxmlformats.org/drawingml/2006/main" xmlns:r="http://schemas.openxmlformats.org/officeDocument/2006/relationships" xmlns:p="http://schemas.openxmlformats.org/presentationml/2006/main">
+  <p:cSld>
+    <p:spTree>
+      <p:nvGrpSpPr>
+        <p:cNvPr id="1" name=""/>
+        <p:cNvGrpSpPr/>
+        <p:nvPr/>
+      </p:nvGrpSpPr>
+      <p:grpSpPr/>
+      <p:sp>
+        <p:nvSpPr>
+          <p:cNvPr id="2" name="Title 1"/>
+          <p:cNvSpPr>
+            <a:spLocks noGrp="1"/>
+          </p:cNvSpPr>
+          <p:nvPr>
+            <p:ph type="title"/>
+          </p:nvPr>
+        </p:nvSpPr>
+        <p:spPr/>
+        <p:txBody>
+          <a:bodyPr/>
+          <a:p>
+            <a:r>
+              <a:rPr lang="zh-CN" altLang="en-US">
+                <a:sym typeface="+mn-ea"/>
+              </a:rPr>
+              <a:t>投影部分：</a:t>
+            </a:r>
+            <a:r>
+              <a:rPr lang="zh-CN" altLang="en-US">
+                <a:sym typeface="+mn-ea"/>
+              </a:rPr>
+              <a:t>求速度的散度</a:t>
+            </a:r>
+            <a:endParaRPr lang="en-US"/>
+          </a:p>
+        </p:txBody>
+      </p:sp>
+      <p:sp>
+        <p:nvSpPr>
+          <p:cNvPr id="3" name="Content Placeholder 2"/>
+          <p:cNvSpPr>
+            <a:spLocks noGrp="1"/>
+          </p:cNvSpPr>
+          <p:nvPr>
+            <p:ph sz="half" idx="1"/>
+          </p:nvPr>
+        </p:nvSpPr>
+        <p:spPr>
+          <a:xfrm>
+            <a:off x="647700" y="1367155"/>
+            <a:ext cx="10790555" cy="2347595"/>
+          </a:xfrm>
+        </p:spPr>
+        <p:txBody>
+          <a:bodyPr/>
+          <a:p>
+            <a:endParaRPr lang="en-US"/>
+          </a:p>
+        </p:txBody>
+      </p:sp>
+      <p:pic>
+        <p:nvPicPr>
+          <p:cNvPr id="8" name="Content Placeholder 7"/>
+          <p:cNvPicPr>
+            <a:picLocks noChangeAspect="1"/>
+          </p:cNvPicPr>
+          <p:nvPr>
+            <p:ph sz="half" idx="2"/>
+          </p:nvPr>
+        </p:nvPicPr>
+        <p:blipFill>
+          <a:blip r:embed="rId1"/>
+          <a:stretch>
+            <a:fillRect/>
+          </a:stretch>
+        </p:blipFill>
+        <p:spPr>
+          <a:xfrm>
+            <a:off x="635" y="3901440"/>
+            <a:ext cx="12191365" cy="2956560"/>
+          </a:xfrm>
+          <a:prstGeom prst="rect">
+            <a:avLst/>
+          </a:prstGeom>
+        </p:spPr>
+      </p:pic>
+    </p:spTree>
+  </p:cSld>
+  <p:clrMapOvr>
+    <a:masterClrMapping/>
+  </p:clrMapOvr>
+</p:sld>
+</file>
+
+<file path=ppt/slides/slide14.xml><?xml version="1.0" encoding="utf-8"?>
+<p:sld xmlns:a="http://schemas.openxmlformats.org/drawingml/2006/main" xmlns:r="http://schemas.openxmlformats.org/officeDocument/2006/relationships" xmlns:p="http://schemas.openxmlformats.org/presentationml/2006/main">
+  <p:cSld>
+    <p:spTree>
+      <p:nvGrpSpPr>
+        <p:cNvPr id="1" name=""/>
+        <p:cNvGrpSpPr/>
+        <p:nvPr/>
+      </p:nvGrpSpPr>
+      <p:grpSpPr/>
+      <p:sp>
+        <p:nvSpPr>
+          <p:cNvPr id="2" name="Title 1"/>
+          <p:cNvSpPr>
+            <a:spLocks noGrp="1"/>
+          </p:cNvSpPr>
+          <p:nvPr>
+            <p:ph type="title"/>
+          </p:nvPr>
+        </p:nvSpPr>
+        <p:spPr/>
+        <p:txBody>
+          <a:bodyPr/>
+          <a:p>
+            <a:r>
+              <a:rPr lang="zh-CN" altLang="en-US"/>
+              <a:t>投影部分：</a:t>
+            </a:r>
+            <a:r>
+              <a:rPr lang="en-US" altLang="zh-CN"/>
+              <a:t>jacobi</a:t>
+            </a:r>
+            <a:r>
+              <a:rPr lang="zh-CN" altLang="en-US"/>
+              <a:t>迭代求解压强</a:t>
+            </a:r>
+            <a:endParaRPr lang="zh-CN" altLang="en-US"/>
+          </a:p>
+        </p:txBody>
+      </p:sp>
+      <p:sp>
+        <p:nvSpPr>
+          <p:cNvPr id="3" name="Content Placeholder 2"/>
+          <p:cNvSpPr>
+            <a:spLocks noGrp="1"/>
+          </p:cNvSpPr>
+          <p:nvPr>
+            <p:ph sz="half" idx="1"/>
+          </p:nvPr>
+        </p:nvSpPr>
+        <p:spPr>
+          <a:xfrm>
+            <a:off x="647700" y="1825625"/>
+            <a:ext cx="10782935" cy="1995170"/>
+          </a:xfrm>
+        </p:spPr>
+        <p:txBody>
+          <a:bodyPr/>
+          <a:p>
+            <a:endParaRPr lang="en-US"/>
+          </a:p>
+        </p:txBody>
+      </p:sp>
+      <p:pic>
+        <p:nvPicPr>
+          <p:cNvPr id="5" name="Content Placeholder 4"/>
+          <p:cNvPicPr>
+            <a:picLocks noChangeAspect="1"/>
+          </p:cNvPicPr>
+          <p:nvPr>
+            <p:ph sz="half" idx="2"/>
+          </p:nvPr>
+        </p:nvPicPr>
+        <p:blipFill>
+          <a:blip r:embed="rId1"/>
+          <a:stretch>
+            <a:fillRect/>
+          </a:stretch>
+        </p:blipFill>
+        <p:spPr>
+          <a:xfrm>
+            <a:off x="-10795" y="3964305"/>
+            <a:ext cx="12202795" cy="2893695"/>
+          </a:xfrm>
+          <a:prstGeom prst="rect">
+            <a:avLst/>
+          </a:prstGeom>
+        </p:spPr>
+      </p:pic>
+    </p:spTree>
+  </p:cSld>
+  <p:clrMapOvr>
+    <a:masterClrMapping/>
+  </p:clrMapOvr>
+</p:sld>
+</file>
+
+<file path=ppt/slides/slide15.xml><?xml version="1.0" encoding="utf-8"?>
+<p:sld xmlns:a="http://schemas.openxmlformats.org/drawingml/2006/main" xmlns:r="http://schemas.openxmlformats.org/officeDocument/2006/relationships" xmlns:p="http://schemas.openxmlformats.org/presentationml/2006/main">
+  <p:cSld>
+    <p:spTree>
+      <p:nvGrpSpPr>
+        <p:cNvPr id="1" name=""/>
+        <p:cNvGrpSpPr/>
+        <p:nvPr/>
+      </p:nvGrpSpPr>
+      <p:grpSpPr/>
+      <p:sp>
+        <p:nvSpPr>
+          <p:cNvPr id="2" name="Title 1"/>
+          <p:cNvSpPr>
+            <a:spLocks noGrp="1"/>
+          </p:cNvSpPr>
+          <p:nvPr>
+            <p:ph type="title"/>
+          </p:nvPr>
+        </p:nvSpPr>
+        <p:spPr/>
+        <p:txBody>
+          <a:bodyPr/>
+          <a:p>
+            <a:r>
+              <a:rPr lang="zh-CN" altLang="en-US">
+                <a:sym typeface="+mn-ea"/>
+              </a:rPr>
+              <a:t>投影部分：</a:t>
+            </a:r>
+            <a:r>
+              <a:rPr lang="zh-CN" altLang="en-US">
+                <a:sym typeface="+mn-ea"/>
+              </a:rPr>
+              <a:t>速度减去压强的梯度</a:t>
+            </a:r>
+            <a:endParaRPr lang="en-US"/>
+          </a:p>
+        </p:txBody>
+      </p:sp>
+      <p:sp>
+        <p:nvSpPr>
+          <p:cNvPr id="3" name="Content Placeholder 2"/>
+          <p:cNvSpPr>
+            <a:spLocks noGrp="1"/>
+          </p:cNvSpPr>
+          <p:nvPr>
+            <p:ph sz="half" idx="1"/>
+          </p:nvPr>
+        </p:nvSpPr>
+        <p:spPr>
+          <a:xfrm>
+            <a:off x="647700" y="1367155"/>
+            <a:ext cx="10790555" cy="2347595"/>
+          </a:xfrm>
+        </p:spPr>
+        <p:txBody>
+          <a:bodyPr/>
+          <a:p>
+            <a:endParaRPr lang="en-US"/>
+          </a:p>
+        </p:txBody>
+      </p:sp>
+      <p:pic>
+        <p:nvPicPr>
+          <p:cNvPr id="5" name="Content Placeholder 4"/>
+          <p:cNvPicPr>
+            <a:picLocks noChangeAspect="1"/>
+          </p:cNvPicPr>
+          <p:nvPr>
+            <p:ph sz="half" idx="2"/>
+          </p:nvPr>
+        </p:nvPicPr>
+        <p:blipFill>
+          <a:blip r:embed="rId1"/>
+          <a:stretch>
+            <a:fillRect/>
+          </a:stretch>
+        </p:blipFill>
+        <p:spPr>
+          <a:xfrm>
+            <a:off x="0" y="3293110"/>
+            <a:ext cx="12192000" cy="3564890"/>
+          </a:xfrm>
+          <a:prstGeom prst="rect">
+            <a:avLst/>
+          </a:prstGeom>
+        </p:spPr>
+      </p:pic>
+    </p:spTree>
+  </p:cSld>
+  <p:clrMapOvr>
+    <a:masterClrMapping/>
+  </p:clrMapOvr>
+</p:sld>
+</file>
+
+<file path=ppt/slides/slide16.xml><?xml version="1.0" encoding="utf-8"?>
+<p:sld xmlns:a="http://schemas.openxmlformats.org/drawingml/2006/main" xmlns:r="http://schemas.openxmlformats.org/officeDocument/2006/relationships" xmlns:p="http://schemas.openxmlformats.org/presentationml/2006/main">
+  <p:cSld>
+    <p:spTree>
+      <p:nvGrpSpPr>
+        <p:cNvPr id="1" name=""/>
+        <p:cNvGrpSpPr/>
+        <p:nvPr/>
+      </p:nvGrpSpPr>
+      <p:grpSpPr/>
+      <p:sp>
+        <p:nvSpPr>
+          <p:cNvPr id="2" name="Title 1"/>
+          <p:cNvSpPr>
+            <a:spLocks noGrp="1"/>
+          </p:cNvSpPr>
+          <p:nvPr>
+            <p:ph type="title"/>
+          </p:nvPr>
+        </p:nvSpPr>
+        <p:spPr/>
+        <p:txBody>
+          <a:bodyPr/>
+          <a:p>
+            <a:r>
+              <a:rPr lang="zh-CN" altLang="en-US"/>
+              <a:t>投影部分：初步</a:t>
+            </a:r>
+            <a:r>
+              <a:rPr lang="zh-CN"/>
+              <a:t>实现</a:t>
+            </a:r>
+            <a:endParaRPr lang="zh-CN"/>
+          </a:p>
+        </p:txBody>
+      </p:sp>
+      <p:sp>
+        <p:nvSpPr>
+          <p:cNvPr id="3" name="Content Placeholder 2"/>
+          <p:cNvSpPr>
+            <a:spLocks noGrp="1"/>
+          </p:cNvSpPr>
+          <p:nvPr>
+            <p:ph sz="half" idx="1"/>
+          </p:nvPr>
+        </p:nvSpPr>
+        <p:spPr>
+          <a:xfrm>
+            <a:off x="647700" y="1825625"/>
+            <a:ext cx="10782935" cy="3109595"/>
+          </a:xfrm>
+        </p:spPr>
+        <p:txBody>
+          <a:bodyPr/>
+          <a:p>
+            <a:endParaRPr lang="en-US"/>
+          </a:p>
+        </p:txBody>
+      </p:sp>
+      <p:pic>
+        <p:nvPicPr>
+          <p:cNvPr id="6" name="Content Placeholder 5"/>
+          <p:cNvPicPr>
+            <a:picLocks noChangeAspect="1"/>
+          </p:cNvPicPr>
+          <p:nvPr>
+            <p:ph sz="half" idx="2"/>
+          </p:nvPr>
+        </p:nvPicPr>
+        <p:blipFill>
+          <a:blip r:embed="rId1"/>
+          <a:stretch>
+            <a:fillRect/>
+          </a:stretch>
+        </p:blipFill>
+        <p:spPr>
+          <a:xfrm>
+            <a:off x="0" y="5118735"/>
+            <a:ext cx="12192000" cy="1739265"/>
+          </a:xfrm>
+          <a:prstGeom prst="rect">
+            <a:avLst/>
+          </a:prstGeom>
+        </p:spPr>
+      </p:pic>
+    </p:spTree>
+  </p:cSld>
+  <p:clrMapOvr>
+    <a:masterClrMapping/>
+  </p:clrMapOvr>
+</p:sld>
+</file>
+
+<file path=ppt/slides/slide17.xml><?xml version="1.0" encoding="utf-8"?>
+<p:sld xmlns:a="http://schemas.openxmlformats.org/drawingml/2006/main" xmlns:r="http://schemas.openxmlformats.org/officeDocument/2006/relationships" xmlns:p="http://schemas.openxmlformats.org/presentationml/2006/main">
+  <p:cSld>
+    <p:spTree>
+      <p:nvGrpSpPr>
+        <p:cNvPr id="1" name=""/>
+        <p:cNvGrpSpPr/>
+        <p:nvPr/>
+      </p:nvGrpSpPr>
+      <p:grpSpPr/>
+      <p:sp>
+        <p:nvSpPr>
+          <p:cNvPr id="2" name="Title 1"/>
+          <p:cNvSpPr>
+            <a:spLocks noGrp="1"/>
+          </p:cNvSpPr>
+          <p:nvPr>
+            <p:ph type="title"/>
+          </p:nvPr>
+        </p:nvSpPr>
+        <p:spPr/>
+        <p:txBody>
+          <a:bodyPr/>
+          <a:p>
+            <a:r>
+              <a:rPr lang="zh-CN" altLang="en-US">
+                <a:sym typeface="+mn-ea"/>
+              </a:rPr>
+              <a:t>投影部分：计算未消除的散度</a:t>
+            </a:r>
+            <a:endParaRPr lang="en-US"/>
+          </a:p>
+        </p:txBody>
+      </p:sp>
+      <p:pic>
+        <p:nvPicPr>
+          <p:cNvPr id="5" name="Content Placeholder 4"/>
+          <p:cNvPicPr>
+            <a:picLocks noChangeAspect="1"/>
+          </p:cNvPicPr>
+          <p:nvPr>
+            <p:ph sz="half" idx="2"/>
+          </p:nvPr>
+        </p:nvPicPr>
+        <p:blipFill>
+          <a:blip r:embed="rId1"/>
+          <a:stretch>
+            <a:fillRect/>
+          </a:stretch>
+        </p:blipFill>
+        <p:spPr>
+          <a:xfrm>
+            <a:off x="0" y="4058285"/>
+            <a:ext cx="12192000" cy="2799715"/>
+          </a:xfrm>
+          <a:prstGeom prst="rect">
+            <a:avLst/>
+          </a:prstGeom>
+        </p:spPr>
+      </p:pic>
+      <p:pic>
+        <p:nvPicPr>
+          <p:cNvPr id="7" name="Content Placeholder 6"/>
+          <p:cNvPicPr>
+            <a:picLocks noChangeAspect="1"/>
+          </p:cNvPicPr>
+          <p:nvPr>
+            <p:ph sz="half" idx="1"/>
+          </p:nvPr>
+        </p:nvPicPr>
+        <p:blipFill>
+          <a:blip r:embed="rId2"/>
+          <a:stretch>
+            <a:fillRect/>
+          </a:stretch>
+        </p:blipFill>
+        <p:spPr>
+          <a:xfrm>
+            <a:off x="-635" y="1831975"/>
+            <a:ext cx="12192635" cy="2226310"/>
+          </a:xfrm>
+          <a:prstGeom prst="rect">
+            <a:avLst/>
+          </a:prstGeom>
+        </p:spPr>
+      </p:pic>
+    </p:spTree>
+  </p:cSld>
+  <p:clrMapOvr>
+    <a:masterClrMapping/>
+  </p:clrMapOvr>
+</p:sld>
+</file>
+
+<file path=ppt/slides/slide18.xml><?xml version="1.0" encoding="utf-8"?>
+<p:sld xmlns:a="http://schemas.openxmlformats.org/drawingml/2006/main" xmlns:r="http://schemas.openxmlformats.org/officeDocument/2006/relationships" xmlns:p="http://schemas.openxmlformats.org/presentationml/2006/main">
+  <p:cSld>
+    <p:spTree>
+      <p:nvGrpSpPr>
+        <p:cNvPr id="1" name=""/>
+        <p:cNvGrpSpPr/>
+        <p:nvPr/>
+      </p:nvGrpSpPr>
+      <p:grpSpPr/>
+      <p:sp>
+        <p:nvSpPr>
+          <p:cNvPr id="5" name="Title 4"/>
+          <p:cNvSpPr>
+            <a:spLocks noGrp="1"/>
+          </p:cNvSpPr>
+          <p:nvPr>
+            <p:ph type="title"/>
+          </p:nvPr>
+        </p:nvSpPr>
+        <p:spPr/>
+        <p:txBody>
+          <a:bodyPr/>
+          <a:p>
+            <a:r>
+              <a:rPr lang="zh-CN" altLang="en-US"/>
+              <a:t>多重网格法</a:t>
+            </a:r>
+            <a:endParaRPr lang="zh-CN" altLang="en-US"/>
+          </a:p>
+        </p:txBody>
+      </p:sp>
+    </p:spTree>
+  </p:cSld>
+  <p:clrMapOvr>
+    <a:masterClrMapping/>
+  </p:clrMapOvr>
+</p:sld>
+</file>
+
+<file path=ppt/slides/slide19.xml><?xml version="1.0" encoding="utf-8"?>
+<p:sld xmlns:a="http://schemas.openxmlformats.org/drawingml/2006/main" xmlns:r="http://schemas.openxmlformats.org/officeDocument/2006/relationships" xmlns:p="http://schemas.openxmlformats.org/presentationml/2006/main">
+  <p:cSld>
+    <p:spTree>
+      <p:nvGrpSpPr>
+        <p:cNvPr id="1" name=""/>
+        <p:cNvGrpSpPr/>
+        <p:nvPr/>
+      </p:nvGrpSpPr>
+      <p:grpSpPr/>
+      <p:sp>
+        <p:nvSpPr>
+          <p:cNvPr id="2" name="Title 1"/>
+          <p:cNvSpPr>
+            <a:spLocks noGrp="1"/>
+          </p:cNvSpPr>
+          <p:nvPr>
+            <p:ph type="title"/>
+          </p:nvPr>
+        </p:nvSpPr>
+        <p:spPr/>
+        <p:txBody>
+          <a:bodyPr/>
+          <a:p>
+            <a:r>
+              <a:rPr lang="zh-CN" altLang="en-US"/>
+              <a:t>投影部分：多重网格实现</a:t>
+            </a:r>
+            <a:endParaRPr lang="zh-CN" altLang="en-US"/>
+          </a:p>
+        </p:txBody>
+      </p:sp>
+      <p:sp>
+        <p:nvSpPr>
+          <p:cNvPr id="3" name="Content Placeholder 2"/>
+          <p:cNvSpPr>
+            <a:spLocks noGrp="1"/>
+          </p:cNvSpPr>
+          <p:nvPr>
+            <p:ph sz="half" idx="1"/>
+          </p:nvPr>
+        </p:nvSpPr>
+        <p:spPr>
+          <a:xfrm>
+            <a:off x="3512820" y="123825"/>
+            <a:ext cx="8448040" cy="1757680"/>
+          </a:xfrm>
+        </p:spPr>
+        <p:txBody>
+          <a:bodyPr/>
+          <a:p>
+            <a:endParaRPr lang="en-US"/>
+          </a:p>
+        </p:txBody>
+      </p:sp>
+      <p:pic>
+        <p:nvPicPr>
+          <p:cNvPr id="5" name="Content Placeholder 4"/>
+          <p:cNvPicPr>
+            <a:picLocks noChangeAspect="1"/>
+          </p:cNvPicPr>
+          <p:nvPr>
+            <p:ph sz="half" idx="2"/>
+          </p:nvPr>
+        </p:nvPicPr>
+        <p:blipFill>
+          <a:blip r:embed="rId1"/>
+          <a:stretch>
+            <a:fillRect/>
+          </a:stretch>
+        </p:blipFill>
+        <p:spPr>
+          <a:xfrm>
+            <a:off x="1463675" y="1959610"/>
+            <a:ext cx="9699625" cy="4898390"/>
+          </a:xfrm>
+          <a:prstGeom prst="rect">
+            <a:avLst/>
+          </a:prstGeom>
+        </p:spPr>
+      </p:pic>
     </p:spTree>
   </p:cSld>
   <p:clrMapOvr>
@@ -3691,6 +4600,1562 @@
           </a:p>
         </p:txBody>
       </p:sp>
+    </p:spTree>
+  </p:cSld>
+  <p:clrMapOvr>
+    <a:masterClrMapping/>
+  </p:clrMapOvr>
+</p:sld>
+</file>
+
+<file path=ppt/slides/slide20.xml><?xml version="1.0" encoding="utf-8"?>
+<p:sld xmlns:a="http://schemas.openxmlformats.org/drawingml/2006/main" xmlns:r="http://schemas.openxmlformats.org/officeDocument/2006/relationships" xmlns:p="http://schemas.openxmlformats.org/presentationml/2006/main">
+  <p:cSld>
+    <p:spTree>
+      <p:nvGrpSpPr>
+        <p:cNvPr id="1" name=""/>
+        <p:cNvGrpSpPr/>
+        <p:nvPr/>
+      </p:nvGrpSpPr>
+      <p:grpSpPr/>
+      <p:sp>
+        <p:nvSpPr>
+          <p:cNvPr id="2" name="Title 1"/>
+          <p:cNvSpPr>
+            <a:spLocks noGrp="1"/>
+          </p:cNvSpPr>
+          <p:nvPr>
+            <p:ph type="title"/>
+          </p:nvPr>
+        </p:nvSpPr>
+        <p:spPr/>
+        <p:txBody>
+          <a:bodyPr/>
+          <a:p>
+            <a:r>
+              <a:rPr lang="zh-CN" altLang="en-US"/>
+              <a:t>投影部分：红黑高斯</a:t>
+            </a:r>
+            <a:endParaRPr lang="zh-CN" altLang="en-US"/>
+          </a:p>
+        </p:txBody>
+      </p:sp>
+      <p:sp>
+        <p:nvSpPr>
+          <p:cNvPr id="3" name="Content Placeholder 2"/>
+          <p:cNvSpPr>
+            <a:spLocks noGrp="1"/>
+          </p:cNvSpPr>
+          <p:nvPr>
+            <p:ph sz="half" idx="1"/>
+          </p:nvPr>
+        </p:nvSpPr>
+        <p:spPr>
+          <a:xfrm>
+            <a:off x="647700" y="1252855"/>
+            <a:ext cx="10466070" cy="4351655"/>
+          </a:xfrm>
+        </p:spPr>
+        <p:txBody>
+          <a:bodyPr/>
+          <a:p>
+            <a:endParaRPr lang="en-US"/>
+          </a:p>
+        </p:txBody>
+      </p:sp>
+      <p:pic>
+        <p:nvPicPr>
+          <p:cNvPr id="5" name="Content Placeholder 4"/>
+          <p:cNvPicPr>
+            <a:picLocks noChangeAspect="1"/>
+          </p:cNvPicPr>
+          <p:nvPr>
+            <p:ph sz="half" idx="2"/>
+          </p:nvPr>
+        </p:nvPicPr>
+        <p:blipFill>
+          <a:blip r:embed="rId1"/>
+          <a:stretch>
+            <a:fillRect/>
+          </a:stretch>
+        </p:blipFill>
+        <p:spPr>
+          <a:xfrm>
+            <a:off x="1120140" y="3474085"/>
+            <a:ext cx="9570720" cy="3383915"/>
+          </a:xfrm>
+          <a:prstGeom prst="rect">
+            <a:avLst/>
+          </a:prstGeom>
+        </p:spPr>
+      </p:pic>
+    </p:spTree>
+  </p:cSld>
+  <p:clrMapOvr>
+    <a:masterClrMapping/>
+  </p:clrMapOvr>
+</p:sld>
+</file>
+
+<file path=ppt/slides/slide21.xml><?xml version="1.0" encoding="utf-8"?>
+<p:sld xmlns:a="http://schemas.openxmlformats.org/drawingml/2006/main" xmlns:r="http://schemas.openxmlformats.org/officeDocument/2006/relationships" xmlns:p="http://schemas.openxmlformats.org/presentationml/2006/main">
+  <p:cSld>
+    <p:spTree>
+      <p:nvGrpSpPr>
+        <p:cNvPr id="1" name=""/>
+        <p:cNvGrpSpPr/>
+        <p:nvPr/>
+      </p:nvGrpSpPr>
+      <p:grpSpPr/>
+      <p:sp>
+        <p:nvSpPr>
+          <p:cNvPr id="2" name="Title 1"/>
+          <p:cNvSpPr>
+            <a:spLocks noGrp="1"/>
+          </p:cNvSpPr>
+          <p:nvPr>
+            <p:ph type="title"/>
+          </p:nvPr>
+        </p:nvSpPr>
+        <p:spPr/>
+        <p:txBody>
+          <a:bodyPr/>
+          <a:p>
+            <a:r>
+              <a:rPr lang="zh-CN" altLang="en-US"/>
+              <a:t>投影部分：计算残差</a:t>
+            </a:r>
+            <a:endParaRPr lang="zh-CN" altLang="en-US"/>
+          </a:p>
+        </p:txBody>
+      </p:sp>
+      <p:sp>
+        <p:nvSpPr>
+          <p:cNvPr id="3" name="Content Placeholder 2"/>
+          <p:cNvSpPr>
+            <a:spLocks noGrp="1"/>
+          </p:cNvSpPr>
+          <p:nvPr>
+            <p:ph sz="half" idx="1"/>
+          </p:nvPr>
+        </p:nvSpPr>
+        <p:spPr>
+          <a:xfrm>
+            <a:off x="647700" y="1252855"/>
+            <a:ext cx="10466070" cy="4351655"/>
+          </a:xfrm>
+        </p:spPr>
+        <p:txBody>
+          <a:bodyPr/>
+          <a:p>
+            <a:endParaRPr lang="en-US"/>
+          </a:p>
+        </p:txBody>
+      </p:sp>
+      <p:pic>
+        <p:nvPicPr>
+          <p:cNvPr id="6" name="Content Placeholder 5"/>
+          <p:cNvPicPr>
+            <a:picLocks noChangeAspect="1"/>
+          </p:cNvPicPr>
+          <p:nvPr>
+            <p:ph sz="half" idx="2"/>
+          </p:nvPr>
+        </p:nvPicPr>
+        <p:blipFill>
+          <a:blip r:embed="rId1"/>
+          <a:stretch>
+            <a:fillRect/>
+          </a:stretch>
+        </p:blipFill>
+        <p:spPr>
+          <a:xfrm>
+            <a:off x="52705" y="3794760"/>
+            <a:ext cx="12086590" cy="3063240"/>
+          </a:xfrm>
+          <a:prstGeom prst="rect">
+            <a:avLst/>
+          </a:prstGeom>
+        </p:spPr>
+      </p:pic>
+    </p:spTree>
+  </p:cSld>
+  <p:clrMapOvr>
+    <a:masterClrMapping/>
+  </p:clrMapOvr>
+</p:sld>
+</file>
+
+<file path=ppt/slides/slide22.xml><?xml version="1.0" encoding="utf-8"?>
+<p:sld xmlns:a="http://schemas.openxmlformats.org/drawingml/2006/main" xmlns:r="http://schemas.openxmlformats.org/officeDocument/2006/relationships" xmlns:p="http://schemas.openxmlformats.org/presentationml/2006/main">
+  <p:cSld>
+    <p:spTree>
+      <p:nvGrpSpPr>
+        <p:cNvPr id="1" name=""/>
+        <p:cNvGrpSpPr/>
+        <p:nvPr/>
+      </p:nvGrpSpPr>
+      <p:grpSpPr/>
+      <p:sp>
+        <p:nvSpPr>
+          <p:cNvPr id="2" name="Title 1"/>
+          <p:cNvSpPr>
+            <a:spLocks noGrp="1"/>
+          </p:cNvSpPr>
+          <p:nvPr>
+            <p:ph type="title"/>
+          </p:nvPr>
+        </p:nvSpPr>
+        <p:spPr/>
+        <p:txBody>
+          <a:bodyPr/>
+          <a:p>
+            <a:r>
+              <a:rPr lang="zh-CN" altLang="en-US">
+                <a:sym typeface="+mn-ea"/>
+              </a:rPr>
+              <a:t>投影部分：缩小一倍</a:t>
+            </a:r>
+            <a:endParaRPr lang="en-US"/>
+          </a:p>
+        </p:txBody>
+      </p:sp>
+      <p:sp>
+        <p:nvSpPr>
+          <p:cNvPr id="3" name="Content Placeholder 2"/>
+          <p:cNvSpPr>
+            <a:spLocks noGrp="1"/>
+          </p:cNvSpPr>
+          <p:nvPr>
+            <p:ph sz="half" idx="1"/>
+          </p:nvPr>
+        </p:nvSpPr>
+        <p:spPr>
+          <a:xfrm>
+            <a:off x="647700" y="1367155"/>
+            <a:ext cx="10790555" cy="1677670"/>
+          </a:xfrm>
+        </p:spPr>
+        <p:txBody>
+          <a:bodyPr/>
+          <a:p>
+            <a:endParaRPr lang="en-US"/>
+          </a:p>
+        </p:txBody>
+      </p:sp>
+      <p:pic>
+        <p:nvPicPr>
+          <p:cNvPr id="5" name="Content Placeholder 4"/>
+          <p:cNvPicPr>
+            <a:picLocks noChangeAspect="1"/>
+          </p:cNvPicPr>
+          <p:nvPr>
+            <p:ph sz="half" idx="2"/>
+          </p:nvPr>
+        </p:nvPicPr>
+        <p:blipFill>
+          <a:blip r:embed="rId1"/>
+          <a:stretch>
+            <a:fillRect/>
+          </a:stretch>
+        </p:blipFill>
+        <p:spPr>
+          <a:xfrm>
+            <a:off x="125095" y="3002915"/>
+            <a:ext cx="12011660" cy="3855085"/>
+          </a:xfrm>
+          <a:prstGeom prst="rect">
+            <a:avLst/>
+          </a:prstGeom>
+        </p:spPr>
+      </p:pic>
+    </p:spTree>
+  </p:cSld>
+  <p:clrMapOvr>
+    <a:masterClrMapping/>
+  </p:clrMapOvr>
+</p:sld>
+</file>
+
+<file path=ppt/slides/slide23.xml><?xml version="1.0" encoding="utf-8"?>
+<p:sld xmlns:a="http://schemas.openxmlformats.org/drawingml/2006/main" xmlns:r="http://schemas.openxmlformats.org/officeDocument/2006/relationships" xmlns:p="http://schemas.openxmlformats.org/presentationml/2006/main">
+  <p:cSld>
+    <p:spTree>
+      <p:nvGrpSpPr>
+        <p:cNvPr id="1" name=""/>
+        <p:cNvGrpSpPr/>
+        <p:nvPr/>
+      </p:nvGrpSpPr>
+      <p:grpSpPr/>
+      <p:sp>
+        <p:nvSpPr>
+          <p:cNvPr id="2" name="Title 1"/>
+          <p:cNvSpPr>
+            <a:spLocks noGrp="1"/>
+          </p:cNvSpPr>
+          <p:nvPr>
+            <p:ph type="title"/>
+          </p:nvPr>
+        </p:nvSpPr>
+        <p:spPr/>
+        <p:txBody>
+          <a:bodyPr/>
+          <a:p>
+            <a:r>
+              <a:rPr lang="zh-CN" altLang="en-US">
+                <a:sym typeface="+mn-ea"/>
+              </a:rPr>
+              <a:t>投影部分：清零数组</a:t>
+            </a:r>
+            <a:endParaRPr lang="en-US"/>
+          </a:p>
+        </p:txBody>
+      </p:sp>
+      <p:sp>
+        <p:nvSpPr>
+          <p:cNvPr id="3" name="Content Placeholder 2"/>
+          <p:cNvSpPr>
+            <a:spLocks noGrp="1"/>
+          </p:cNvSpPr>
+          <p:nvPr>
+            <p:ph sz="half" idx="1"/>
+          </p:nvPr>
+        </p:nvSpPr>
+        <p:spPr>
+          <a:xfrm>
+            <a:off x="647700" y="1367155"/>
+            <a:ext cx="10790555" cy="2630170"/>
+          </a:xfrm>
+        </p:spPr>
+        <p:txBody>
+          <a:bodyPr/>
+          <a:p>
+            <a:endParaRPr lang="en-US"/>
+          </a:p>
+        </p:txBody>
+      </p:sp>
+      <p:pic>
+        <p:nvPicPr>
+          <p:cNvPr id="6" name="Content Placeholder 5"/>
+          <p:cNvPicPr>
+            <a:picLocks noChangeAspect="1"/>
+          </p:cNvPicPr>
+          <p:nvPr>
+            <p:ph sz="half" idx="2"/>
+          </p:nvPr>
+        </p:nvPicPr>
+        <p:blipFill>
+          <a:blip r:embed="rId1"/>
+          <a:stretch>
+            <a:fillRect/>
+          </a:stretch>
+        </p:blipFill>
+        <p:spPr>
+          <a:xfrm>
+            <a:off x="-20320" y="4237355"/>
+            <a:ext cx="12212320" cy="2620645"/>
+          </a:xfrm>
+          <a:prstGeom prst="rect">
+            <a:avLst/>
+          </a:prstGeom>
+        </p:spPr>
+      </p:pic>
+    </p:spTree>
+  </p:cSld>
+  <p:clrMapOvr>
+    <a:masterClrMapping/>
+  </p:clrMapOvr>
+</p:sld>
+</file>
+
+<file path=ppt/slides/slide24.xml><?xml version="1.0" encoding="utf-8"?>
+<p:sld xmlns:a="http://schemas.openxmlformats.org/drawingml/2006/main" xmlns:r="http://schemas.openxmlformats.org/officeDocument/2006/relationships" xmlns:p="http://schemas.openxmlformats.org/presentationml/2006/main">
+  <p:cSld>
+    <p:spTree>
+      <p:nvGrpSpPr>
+        <p:cNvPr id="1" name=""/>
+        <p:cNvGrpSpPr/>
+        <p:nvPr/>
+      </p:nvGrpSpPr>
+      <p:grpSpPr/>
+      <p:sp>
+        <p:nvSpPr>
+          <p:cNvPr id="2" name="Title 1"/>
+          <p:cNvSpPr>
+            <a:spLocks noGrp="1"/>
+          </p:cNvSpPr>
+          <p:nvPr>
+            <p:ph type="title"/>
+          </p:nvPr>
+        </p:nvSpPr>
+        <p:spPr/>
+        <p:txBody>
+          <a:bodyPr/>
+          <a:p>
+            <a:r>
+              <a:rPr lang="zh-CN" altLang="en-US">
+                <a:sym typeface="+mn-ea"/>
+              </a:rPr>
+              <a:t>投影部分：</a:t>
+            </a:r>
+            <a:r>
+              <a:rPr lang="zh-CN" altLang="en-US">
+                <a:sym typeface="+mn-ea"/>
+              </a:rPr>
+              <a:t>扩大一倍</a:t>
+            </a:r>
+            <a:endParaRPr lang="en-US" altLang="zh-CN">
+              <a:sym typeface="+mn-ea"/>
+            </a:endParaRPr>
+          </a:p>
+        </p:txBody>
+      </p:sp>
+      <p:sp>
+        <p:nvSpPr>
+          <p:cNvPr id="3" name="Content Placeholder 2"/>
+          <p:cNvSpPr>
+            <a:spLocks noGrp="1"/>
+          </p:cNvSpPr>
+          <p:nvPr>
+            <p:ph sz="half" idx="1"/>
+          </p:nvPr>
+        </p:nvSpPr>
+        <p:spPr>
+          <a:xfrm>
+            <a:off x="647700" y="1367155"/>
+            <a:ext cx="10790555" cy="1677670"/>
+          </a:xfrm>
+        </p:spPr>
+        <p:txBody>
+          <a:bodyPr/>
+          <a:p>
+            <a:endParaRPr lang="en-US"/>
+          </a:p>
+        </p:txBody>
+      </p:sp>
+      <p:pic>
+        <p:nvPicPr>
+          <p:cNvPr id="6" name="Content Placeholder 5"/>
+          <p:cNvPicPr>
+            <a:picLocks noChangeAspect="1"/>
+          </p:cNvPicPr>
+          <p:nvPr>
+            <p:ph sz="half" idx="2"/>
+          </p:nvPr>
+        </p:nvPicPr>
+        <p:blipFill>
+          <a:blip r:embed="rId1"/>
+          <a:stretch>
+            <a:fillRect/>
+          </a:stretch>
+        </p:blipFill>
+        <p:spPr>
+          <a:xfrm>
+            <a:off x="635" y="2420620"/>
+            <a:ext cx="12191365" cy="4437380"/>
+          </a:xfrm>
+          <a:prstGeom prst="rect">
+            <a:avLst/>
+          </a:prstGeom>
+        </p:spPr>
+      </p:pic>
+    </p:spTree>
+  </p:cSld>
+  <p:clrMapOvr>
+    <a:masterClrMapping/>
+  </p:clrMapOvr>
+</p:sld>
+</file>
+
+<file path=ppt/slides/slide25.xml><?xml version="1.0" encoding="utf-8"?>
+<p:sld xmlns:a="http://schemas.openxmlformats.org/drawingml/2006/main" xmlns:r="http://schemas.openxmlformats.org/officeDocument/2006/relationships" xmlns:p="http://schemas.openxmlformats.org/presentationml/2006/main">
+  <p:cSld>
+    <p:spTree>
+      <p:nvGrpSpPr>
+        <p:cNvPr id="1" name=""/>
+        <p:cNvGrpSpPr/>
+        <p:nvPr/>
+      </p:nvGrpSpPr>
+      <p:grpSpPr/>
+      <p:sp>
+        <p:nvSpPr>
+          <p:cNvPr id="5" name="Title 4"/>
+          <p:cNvSpPr>
+            <a:spLocks noGrp="1"/>
+          </p:cNvSpPr>
+          <p:nvPr>
+            <p:ph type="title"/>
+          </p:nvPr>
+        </p:nvSpPr>
+        <p:spPr/>
+        <p:txBody>
+          <a:bodyPr/>
+          <a:p>
+            <a:r>
+              <a:rPr lang="zh-CN" altLang="en-US"/>
+              <a:t>创建与导出</a:t>
+            </a:r>
+            <a:endParaRPr lang="zh-CN" altLang="en-US"/>
+          </a:p>
+        </p:txBody>
+      </p:sp>
+    </p:spTree>
+  </p:cSld>
+  <p:clrMapOvr>
+    <a:masterClrMapping/>
+  </p:clrMapOvr>
+</p:sld>
+</file>
+
+<file path=ppt/slides/slide26.xml><?xml version="1.0" encoding="utf-8"?>
+<p:sld xmlns:a="http://schemas.openxmlformats.org/drawingml/2006/main" xmlns:r="http://schemas.openxmlformats.org/officeDocument/2006/relationships" xmlns:p="http://schemas.openxmlformats.org/presentationml/2006/main">
+  <p:cSld>
+    <p:spTree>
+      <p:nvGrpSpPr>
+        <p:cNvPr id="1" name=""/>
+        <p:cNvGrpSpPr/>
+        <p:nvPr/>
+      </p:nvGrpSpPr>
+      <p:grpSpPr/>
+      <p:sp>
+        <p:nvSpPr>
+          <p:cNvPr id="2" name="Title 1"/>
+          <p:cNvSpPr>
+            <a:spLocks noGrp="1"/>
+          </p:cNvSpPr>
+          <p:nvPr>
+            <p:ph type="title"/>
+          </p:nvPr>
+        </p:nvSpPr>
+        <p:spPr/>
+        <p:txBody>
+          <a:bodyPr/>
+          <a:p>
+            <a:r>
+              <a:rPr lang="zh-CN" altLang="en-US">
+                <a:sym typeface="+mn-ea"/>
+              </a:rPr>
+              <a:t>主函数：创建场景</a:t>
+            </a:r>
+            <a:endParaRPr lang="en-US"/>
+          </a:p>
+        </p:txBody>
+      </p:sp>
+      <p:pic>
+        <p:nvPicPr>
+          <p:cNvPr id="4" name="Content Placeholder 3"/>
+          <p:cNvPicPr>
+            <a:picLocks noChangeAspect="1"/>
+          </p:cNvPicPr>
+          <p:nvPr>
+            <p:ph sz="half" idx="2"/>
+          </p:nvPr>
+        </p:nvPicPr>
+        <p:blipFill>
+          <a:blip r:embed="rId1"/>
+          <a:stretch>
+            <a:fillRect/>
+          </a:stretch>
+        </p:blipFill>
+        <p:spPr>
+          <a:xfrm>
+            <a:off x="3567430" y="-4445"/>
+            <a:ext cx="8624570" cy="6862445"/>
+          </a:xfrm>
+          <a:prstGeom prst="rect">
+            <a:avLst/>
+          </a:prstGeom>
+        </p:spPr>
+      </p:pic>
+      <p:sp>
+        <p:nvSpPr>
+          <p:cNvPr id="6" name="Content Placeholder 5"/>
+          <p:cNvSpPr/>
+          <p:nvPr>
+            <p:ph sz="half" idx="1"/>
+          </p:nvPr>
+        </p:nvSpPr>
+        <p:spPr>
+          <a:xfrm>
+            <a:off x="647700" y="1825625"/>
+            <a:ext cx="2839720" cy="4351655"/>
+          </a:xfrm>
+        </p:spPr>
+        <p:txBody>
+          <a:bodyPr/>
+          <a:p>
+            <a:endParaRPr lang="en-US"/>
+          </a:p>
+        </p:txBody>
+      </p:sp>
+    </p:spTree>
+  </p:cSld>
+  <p:clrMapOvr>
+    <a:masterClrMapping/>
+  </p:clrMapOvr>
+</p:sld>
+</file>
+
+<file path=ppt/slides/slide27.xml><?xml version="1.0" encoding="utf-8"?>
+<p:sld xmlns:a="http://schemas.openxmlformats.org/drawingml/2006/main" xmlns:r="http://schemas.openxmlformats.org/officeDocument/2006/relationships" xmlns:p="http://schemas.openxmlformats.org/presentationml/2006/main">
+  <p:cSld>
+    <p:spTree>
+      <p:nvGrpSpPr>
+        <p:cNvPr id="1" name=""/>
+        <p:cNvGrpSpPr/>
+        <p:nvPr/>
+      </p:nvGrpSpPr>
+      <p:grpSpPr/>
+      <p:sp>
+        <p:nvSpPr>
+          <p:cNvPr id="2" name="Title 1"/>
+          <p:cNvSpPr>
+            <a:spLocks noGrp="1"/>
+          </p:cNvSpPr>
+          <p:nvPr>
+            <p:ph type="title"/>
+          </p:nvPr>
+        </p:nvSpPr>
+        <p:spPr/>
+        <p:txBody>
+          <a:bodyPr/>
+          <a:p>
+            <a:r>
+              <a:rPr lang="zh-CN" altLang="en-US">
+                <a:sym typeface="+mn-ea"/>
+              </a:rPr>
+              <a:t>导出</a:t>
+            </a:r>
+            <a:r>
+              <a:rPr lang="en-US" altLang="zh-CN">
+                <a:sym typeface="+mn-ea"/>
+              </a:rPr>
+              <a:t> VDB</a:t>
+            </a:r>
+            <a:r>
+              <a:rPr lang="zh-CN" altLang="en-US">
+                <a:sym typeface="+mn-ea"/>
+              </a:rPr>
+              <a:t>：调用</a:t>
+            </a:r>
+            <a:r>
+              <a:rPr lang="zh-CN" altLang="en-US">
+                <a:sym typeface="+mn-ea"/>
+              </a:rPr>
+              <a:t>接口</a:t>
+            </a:r>
+            <a:endParaRPr lang="zh-CN" altLang="en-US">
+              <a:sym typeface="+mn-ea"/>
+            </a:endParaRPr>
+          </a:p>
+        </p:txBody>
+      </p:sp>
+      <p:sp>
+        <p:nvSpPr>
+          <p:cNvPr id="6" name="Content Placeholder 5"/>
+          <p:cNvSpPr/>
+          <p:nvPr>
+            <p:ph sz="half" idx="1"/>
+          </p:nvPr>
+        </p:nvSpPr>
+        <p:spPr>
+          <a:xfrm>
+            <a:off x="647700" y="1254760"/>
+            <a:ext cx="11066145" cy="1443990"/>
+          </a:xfrm>
+        </p:spPr>
+        <p:txBody>
+          <a:bodyPr/>
+          <a:p>
+            <a:endParaRPr lang="en-US"/>
+          </a:p>
+        </p:txBody>
+      </p:sp>
+      <p:pic>
+        <p:nvPicPr>
+          <p:cNvPr id="5" name="Content Placeholder 4"/>
+          <p:cNvPicPr>
+            <a:picLocks noChangeAspect="1"/>
+          </p:cNvPicPr>
+          <p:nvPr>
+            <p:ph sz="half" idx="2"/>
+          </p:nvPr>
+        </p:nvPicPr>
+        <p:blipFill>
+          <a:blip r:embed="rId1"/>
+          <a:stretch>
+            <a:fillRect/>
+          </a:stretch>
+        </p:blipFill>
+        <p:spPr>
+          <a:xfrm>
+            <a:off x="635" y="2698750"/>
+            <a:ext cx="12191365" cy="4159250"/>
+          </a:xfrm>
+          <a:prstGeom prst="rect">
+            <a:avLst/>
+          </a:prstGeom>
+        </p:spPr>
+      </p:pic>
+    </p:spTree>
+  </p:cSld>
+  <p:clrMapOvr>
+    <a:masterClrMapping/>
+  </p:clrMapOvr>
+</p:sld>
+</file>
+
+<file path=ppt/slides/slide28.xml><?xml version="1.0" encoding="utf-8"?>
+<p:sld xmlns:a="http://schemas.openxmlformats.org/drawingml/2006/main" xmlns:r="http://schemas.openxmlformats.org/officeDocument/2006/relationships" xmlns:p="http://schemas.openxmlformats.org/presentationml/2006/main">
+  <p:cSld>
+    <p:spTree>
+      <p:nvGrpSpPr>
+        <p:cNvPr id="1" name=""/>
+        <p:cNvGrpSpPr/>
+        <p:nvPr/>
+      </p:nvGrpSpPr>
+      <p:grpSpPr/>
+      <p:sp>
+        <p:nvSpPr>
+          <p:cNvPr id="2" name="Title 1"/>
+          <p:cNvSpPr>
+            <a:spLocks noGrp="1"/>
+          </p:cNvSpPr>
+          <p:nvPr>
+            <p:ph type="title"/>
+          </p:nvPr>
+        </p:nvSpPr>
+        <p:spPr/>
+        <p:txBody>
+          <a:bodyPr/>
+          <a:p>
+            <a:r>
+              <a:rPr lang="zh-CN" altLang="en-US">
+                <a:sym typeface="+mn-ea"/>
+              </a:rPr>
+              <a:t>导出</a:t>
+            </a:r>
+            <a:r>
+              <a:rPr lang="en-US" altLang="zh-CN">
+                <a:sym typeface="+mn-ea"/>
+              </a:rPr>
+              <a:t> VDB</a:t>
+            </a:r>
+            <a:r>
+              <a:rPr lang="zh-CN" altLang="en-US">
+                <a:sym typeface="+mn-ea"/>
+              </a:rPr>
+              <a:t>：分离实现</a:t>
+            </a:r>
+            <a:endParaRPr lang="zh-CN" altLang="en-US">
+              <a:sym typeface="+mn-ea"/>
+            </a:endParaRPr>
+          </a:p>
+        </p:txBody>
+      </p:sp>
+      <p:sp>
+        <p:nvSpPr>
+          <p:cNvPr id="6" name="Content Placeholder 5"/>
+          <p:cNvSpPr/>
+          <p:nvPr>
+            <p:ph sz="half" idx="1"/>
+          </p:nvPr>
+        </p:nvSpPr>
+        <p:spPr>
+          <a:xfrm>
+            <a:off x="281940" y="1254760"/>
+            <a:ext cx="4017010" cy="4907280"/>
+          </a:xfrm>
+        </p:spPr>
+        <p:txBody>
+          <a:bodyPr/>
+          <a:p>
+            <a:endParaRPr lang="zh-CN" altLang="en-US"/>
+          </a:p>
+        </p:txBody>
+      </p:sp>
+      <p:pic>
+        <p:nvPicPr>
+          <p:cNvPr id="4" name="Content Placeholder 3"/>
+          <p:cNvPicPr>
+            <a:picLocks noChangeAspect="1"/>
+          </p:cNvPicPr>
+          <p:nvPr>
+            <p:ph sz="half" idx="2"/>
+          </p:nvPr>
+        </p:nvPicPr>
+        <p:blipFill>
+          <a:blip r:embed="rId1"/>
+          <a:stretch>
+            <a:fillRect/>
+          </a:stretch>
+        </p:blipFill>
+        <p:spPr>
+          <a:xfrm>
+            <a:off x="4298315" y="190500"/>
+            <a:ext cx="7893685" cy="6667500"/>
+          </a:xfrm>
+          <a:prstGeom prst="rect">
+            <a:avLst/>
+          </a:prstGeom>
+        </p:spPr>
+      </p:pic>
+      <p:pic>
+        <p:nvPicPr>
+          <p:cNvPr id="7" name="Picture 6"/>
+          <p:cNvPicPr>
+            <a:picLocks noChangeAspect="1"/>
+          </p:cNvPicPr>
+          <p:nvPr/>
+        </p:nvPicPr>
+        <p:blipFill>
+          <a:blip r:embed="rId2"/>
+          <a:stretch>
+            <a:fillRect/>
+          </a:stretch>
+        </p:blipFill>
+        <p:spPr>
+          <a:xfrm>
+            <a:off x="180975" y="6162675"/>
+            <a:ext cx="3714750" cy="695325"/>
+          </a:xfrm>
+          <a:prstGeom prst="rect">
+            <a:avLst/>
+          </a:prstGeom>
+        </p:spPr>
+      </p:pic>
+    </p:spTree>
+  </p:cSld>
+  <p:clrMapOvr>
+    <a:masterClrMapping/>
+  </p:clrMapOvr>
+</p:sld>
+</file>
+
+<file path=ppt/slides/slide29.xml><?xml version="1.0" encoding="utf-8"?>
+<p:sld xmlns:a="http://schemas.openxmlformats.org/drawingml/2006/main" xmlns:r="http://schemas.openxmlformats.org/officeDocument/2006/relationships" xmlns:p="http://schemas.openxmlformats.org/presentationml/2006/main">
+  <p:cSld>
+    <p:spTree>
+      <p:nvGrpSpPr>
+        <p:cNvPr id="1" name=""/>
+        <p:cNvGrpSpPr/>
+        <p:nvPr/>
+      </p:nvGrpSpPr>
+      <p:grpSpPr/>
+      <p:sp>
+        <p:nvSpPr>
+          <p:cNvPr id="2" name="Title 1"/>
+          <p:cNvSpPr>
+            <a:spLocks noGrp="1"/>
+          </p:cNvSpPr>
+          <p:nvPr>
+            <p:ph type="title"/>
+          </p:nvPr>
+        </p:nvSpPr>
+        <p:spPr/>
+        <p:txBody>
+          <a:bodyPr/>
+          <a:p>
+            <a:r>
+              <a:rPr lang="en-US" altLang="zh-CN"/>
+              <a:t>CMake</a:t>
+            </a:r>
+            <a:r>
+              <a:rPr lang="zh-CN" altLang="en-US"/>
+              <a:t>：使用</a:t>
+            </a:r>
+            <a:r>
+              <a:rPr lang="en-US" altLang="zh-CN"/>
+              <a:t> CUDA </a:t>
+            </a:r>
+            <a:r>
+              <a:rPr lang="zh-CN" altLang="en-US"/>
+              <a:t>编译器，链接</a:t>
+            </a:r>
+            <a:r>
+              <a:rPr lang="en-US" altLang="zh-CN"/>
+              <a:t> OpenVDB</a:t>
+            </a:r>
+            <a:endParaRPr lang="zh-CN" altLang="en-US"/>
+          </a:p>
+        </p:txBody>
+      </p:sp>
+      <p:sp>
+        <p:nvSpPr>
+          <p:cNvPr id="3" name="Content Placeholder 2"/>
+          <p:cNvSpPr>
+            <a:spLocks noGrp="1"/>
+          </p:cNvSpPr>
+          <p:nvPr>
+            <p:ph sz="half" idx="1"/>
+          </p:nvPr>
+        </p:nvSpPr>
+        <p:spPr>
+          <a:xfrm>
+            <a:off x="647700" y="1141730"/>
+            <a:ext cx="10980420" cy="2299335"/>
+          </a:xfrm>
+        </p:spPr>
+        <p:txBody>
+          <a:bodyPr/>
+          <a:p>
+            <a:endParaRPr lang="en-US"/>
+          </a:p>
+        </p:txBody>
+      </p:sp>
+      <p:pic>
+        <p:nvPicPr>
+          <p:cNvPr id="7" name="Content Placeholder 6"/>
+          <p:cNvPicPr>
+            <a:picLocks noChangeAspect="1"/>
+          </p:cNvPicPr>
+          <p:nvPr>
+            <p:ph sz="half" idx="2"/>
+          </p:nvPr>
+        </p:nvPicPr>
+        <p:blipFill>
+          <a:blip r:embed="rId1"/>
+          <a:stretch>
+            <a:fillRect/>
+          </a:stretch>
+        </p:blipFill>
+        <p:spPr>
+          <a:xfrm>
+            <a:off x="1935480" y="3440430"/>
+            <a:ext cx="7940040" cy="3417570"/>
+          </a:xfrm>
+          <a:prstGeom prst="rect">
+            <a:avLst/>
+          </a:prstGeom>
+        </p:spPr>
+      </p:pic>
+    </p:spTree>
+  </p:cSld>
+  <p:clrMapOvr>
+    <a:masterClrMapping/>
+  </p:clrMapOvr>
+</p:sld>
+</file>
+
+<file path=ppt/slides/slide3.xml><?xml version="1.0" encoding="utf-8"?>
+<p:sld xmlns:a="http://schemas.openxmlformats.org/drawingml/2006/main" xmlns:r="http://schemas.openxmlformats.org/officeDocument/2006/relationships" xmlns:p="http://schemas.openxmlformats.org/presentationml/2006/main">
+  <p:cSld>
+    <p:spTree>
+      <p:nvGrpSpPr>
+        <p:cNvPr id="1" name=""/>
+        <p:cNvGrpSpPr/>
+        <p:nvPr/>
+      </p:nvGrpSpPr>
+      <p:grpSpPr/>
+      <p:sp>
+        <p:nvSpPr>
+          <p:cNvPr id="5" name="Title 4"/>
+          <p:cNvSpPr>
+            <a:spLocks noGrp="1"/>
+          </p:cNvSpPr>
+          <p:nvPr>
+            <p:ph type="title"/>
+          </p:nvPr>
+        </p:nvSpPr>
+        <p:spPr/>
+        <p:txBody>
+          <a:bodyPr/>
+          <a:p>
+            <a:r>
+              <a:rPr lang="en-US" altLang="zh-CN"/>
+              <a:t>CUDA </a:t>
+            </a:r>
+            <a:r>
+              <a:rPr lang="zh-CN" altLang="en-US"/>
+              <a:t>纹理对象</a:t>
+            </a:r>
+            <a:endParaRPr lang="zh-CN" altLang="en-US"/>
+          </a:p>
+        </p:txBody>
+      </p:sp>
+    </p:spTree>
+  </p:cSld>
+  <p:clrMapOvr>
+    <a:masterClrMapping/>
+  </p:clrMapOvr>
+</p:sld>
+</file>
+
+<file path=ppt/slides/slide30.xml><?xml version="1.0" encoding="utf-8"?>
+<p:sld xmlns:a="http://schemas.openxmlformats.org/drawingml/2006/main" xmlns:r="http://schemas.openxmlformats.org/officeDocument/2006/relationships" xmlns:p="http://schemas.openxmlformats.org/presentationml/2006/main">
+  <p:cSld>
+    <p:spTree>
+      <p:nvGrpSpPr>
+        <p:cNvPr id="1" name=""/>
+        <p:cNvGrpSpPr/>
+        <p:nvPr/>
+      </p:nvGrpSpPr>
+      <p:grpSpPr/>
+      <p:sp>
+        <p:nvSpPr>
+          <p:cNvPr id="2" name="Title 1"/>
+          <p:cNvSpPr>
+            <a:spLocks noGrp="1"/>
+          </p:cNvSpPr>
+          <p:nvPr>
+            <p:ph type="title"/>
+          </p:nvPr>
+        </p:nvSpPr>
+        <p:spPr/>
+        <p:txBody>
+          <a:bodyPr/>
+          <a:p>
+            <a:r>
+              <a:rPr lang="zh-CN" altLang="en-US"/>
+              <a:t>在</a:t>
+            </a:r>
+            <a:r>
+              <a:rPr lang="en-US" altLang="zh-CN"/>
+              <a:t> Blender </a:t>
+            </a:r>
+            <a:r>
+              <a:rPr lang="zh-CN" altLang="en-US"/>
+              <a:t>中查看导出的</a:t>
+            </a:r>
+            <a:r>
+              <a:rPr lang="zh-CN"/>
+              <a:t>结果</a:t>
+            </a:r>
+            <a:endParaRPr lang="zh-CN"/>
+          </a:p>
+        </p:txBody>
+      </p:sp>
+      <p:pic>
+        <p:nvPicPr>
+          <p:cNvPr id="6" name="Content Placeholder 5"/>
+          <p:cNvPicPr>
+            <a:picLocks noChangeAspect="1"/>
+          </p:cNvPicPr>
+          <p:nvPr>
+            <p:ph idx="1"/>
+          </p:nvPr>
+        </p:nvPicPr>
+        <p:blipFill>
+          <a:blip r:embed="rId1"/>
+          <a:stretch>
+            <a:fillRect/>
+          </a:stretch>
+        </p:blipFill>
+        <p:spPr>
+          <a:xfrm>
+            <a:off x="891540" y="1116330"/>
+            <a:ext cx="10408920" cy="5741670"/>
+          </a:xfrm>
+          <a:prstGeom prst="rect">
+            <a:avLst/>
+          </a:prstGeom>
+        </p:spPr>
+      </p:pic>
+    </p:spTree>
+  </p:cSld>
+  <p:clrMapOvr>
+    <a:masterClrMapping/>
+  </p:clrMapOvr>
+</p:sld>
+</file>
+
+<file path=ppt/slides/slide4.xml><?xml version="1.0" encoding="utf-8"?>
+<p:sld xmlns:a="http://schemas.openxmlformats.org/drawingml/2006/main" xmlns:r="http://schemas.openxmlformats.org/officeDocument/2006/relationships" xmlns:p="http://schemas.openxmlformats.org/presentationml/2006/main">
+  <p:cSld>
+    <p:spTree>
+      <p:nvGrpSpPr>
+        <p:cNvPr id="1" name=""/>
+        <p:cNvGrpSpPr/>
+        <p:nvPr/>
+      </p:nvGrpSpPr>
+      <p:grpSpPr/>
+      <p:sp>
+        <p:nvSpPr>
+          <p:cNvPr id="2" name="Title 1"/>
+          <p:cNvSpPr>
+            <a:spLocks noGrp="1"/>
+          </p:cNvSpPr>
+          <p:nvPr>
+            <p:ph type="title"/>
+          </p:nvPr>
+        </p:nvSpPr>
+        <p:spPr/>
+        <p:txBody>
+          <a:bodyPr/>
+          <a:p>
+            <a:r>
+              <a:rPr lang="en-US"/>
+              <a:t>CUDA </a:t>
+            </a:r>
+            <a:r>
+              <a:rPr lang="zh-CN" altLang="en-US"/>
+              <a:t>多维数组：封装</a:t>
+            </a:r>
+            <a:endParaRPr lang="zh-CN" altLang="en-US"/>
+          </a:p>
+        </p:txBody>
+      </p:sp>
+      <p:sp>
+        <p:nvSpPr>
+          <p:cNvPr id="4" name="Content Placeholder 3"/>
+          <p:cNvSpPr>
+            <a:spLocks noGrp="1"/>
+          </p:cNvSpPr>
+          <p:nvPr>
+            <p:ph sz="half" idx="1"/>
+          </p:nvPr>
+        </p:nvSpPr>
+        <p:spPr>
+          <a:xfrm>
+            <a:off x="86360" y="1629410"/>
+            <a:ext cx="4933315" cy="4852035"/>
+          </a:xfrm>
+        </p:spPr>
+        <p:txBody>
+          <a:bodyPr/>
+          <a:p>
+            <a:endParaRPr lang="en-US"/>
+          </a:p>
+        </p:txBody>
+      </p:sp>
+      <p:pic>
+        <p:nvPicPr>
+          <p:cNvPr id="8" name="Content Placeholder 7"/>
+          <p:cNvPicPr>
+            <a:picLocks noChangeAspect="1"/>
+          </p:cNvPicPr>
+          <p:nvPr>
+            <p:ph sz="half" idx="2"/>
+          </p:nvPr>
+        </p:nvPicPr>
+        <p:blipFill>
+          <a:blip r:embed="rId1"/>
+          <a:stretch>
+            <a:fillRect/>
+          </a:stretch>
+        </p:blipFill>
+        <p:spPr>
+          <a:xfrm>
+            <a:off x="5103495" y="-6985"/>
+            <a:ext cx="7088505" cy="6864985"/>
+          </a:xfrm>
+          <a:prstGeom prst="rect">
+            <a:avLst/>
+          </a:prstGeom>
+        </p:spPr>
+      </p:pic>
+    </p:spTree>
+  </p:cSld>
+  <p:clrMapOvr>
+    <a:masterClrMapping/>
+  </p:clrMapOvr>
+</p:sld>
+</file>
+
+<file path=ppt/slides/slide5.xml><?xml version="1.0" encoding="utf-8"?>
+<p:sld xmlns:a="http://schemas.openxmlformats.org/drawingml/2006/main" xmlns:r="http://schemas.openxmlformats.org/officeDocument/2006/relationships" xmlns:p="http://schemas.openxmlformats.org/presentationml/2006/main">
+  <p:cSld>
+    <p:spTree>
+      <p:nvGrpSpPr>
+        <p:cNvPr id="1" name=""/>
+        <p:cNvGrpSpPr/>
+        <p:nvPr/>
+      </p:nvGrpSpPr>
+      <p:grpSpPr/>
+      <p:sp>
+        <p:nvSpPr>
+          <p:cNvPr id="2" name="Title 1"/>
+          <p:cNvSpPr>
+            <a:spLocks noGrp="1"/>
+          </p:cNvSpPr>
+          <p:nvPr>
+            <p:ph type="title"/>
+          </p:nvPr>
+        </p:nvSpPr>
+        <p:spPr/>
+        <p:txBody>
+          <a:bodyPr/>
+          <a:p>
+            <a:r>
+              <a:rPr lang="en-US">
+                <a:sym typeface="+mn-ea"/>
+              </a:rPr>
+              <a:t>CUDA </a:t>
+            </a:r>
+            <a:r>
+              <a:rPr lang="zh-CN" altLang="en-US">
+                <a:sym typeface="+mn-ea"/>
+              </a:rPr>
+              <a:t>表面对象：封装</a:t>
+            </a:r>
+            <a:endParaRPr lang="en-US"/>
+          </a:p>
+        </p:txBody>
+      </p:sp>
+      <p:sp>
+        <p:nvSpPr>
+          <p:cNvPr id="3" name="Content Placeholder 2"/>
+          <p:cNvSpPr>
+            <a:spLocks noGrp="1"/>
+          </p:cNvSpPr>
+          <p:nvPr>
+            <p:ph sz="half" idx="1"/>
+          </p:nvPr>
+        </p:nvSpPr>
+        <p:spPr/>
+        <p:txBody>
+          <a:bodyPr/>
+          <a:p>
+            <a:endParaRPr lang="en-US"/>
+          </a:p>
+        </p:txBody>
+      </p:sp>
+      <p:pic>
+        <p:nvPicPr>
+          <p:cNvPr id="7" name="Content Placeholder 6"/>
+          <p:cNvPicPr>
+            <a:picLocks noChangeAspect="1"/>
+          </p:cNvPicPr>
+          <p:nvPr>
+            <p:ph sz="half" idx="2"/>
+          </p:nvPr>
+        </p:nvPicPr>
+        <p:blipFill>
+          <a:blip r:embed="rId1"/>
+          <a:stretch>
+            <a:fillRect/>
+          </a:stretch>
+        </p:blipFill>
+        <p:spPr>
+          <a:xfrm>
+            <a:off x="6293485" y="4445"/>
+            <a:ext cx="5898515" cy="6853555"/>
+          </a:xfrm>
+          <a:prstGeom prst="rect">
+            <a:avLst/>
+          </a:prstGeom>
+        </p:spPr>
+      </p:pic>
+    </p:spTree>
+  </p:cSld>
+  <p:clrMapOvr>
+    <a:masterClrMapping/>
+  </p:clrMapOvr>
+</p:sld>
+</file>
+
+<file path=ppt/slides/slide6.xml><?xml version="1.0" encoding="utf-8"?>
+<p:sld xmlns:a="http://schemas.openxmlformats.org/drawingml/2006/main" xmlns:r="http://schemas.openxmlformats.org/officeDocument/2006/relationships" xmlns:p="http://schemas.openxmlformats.org/presentationml/2006/main">
+  <p:cSld>
+    <p:spTree>
+      <p:nvGrpSpPr>
+        <p:cNvPr id="1" name=""/>
+        <p:cNvGrpSpPr/>
+        <p:nvPr/>
+      </p:nvGrpSpPr>
+      <p:grpSpPr/>
+      <p:sp>
+        <p:nvSpPr>
+          <p:cNvPr id="2" name="Title 1"/>
+          <p:cNvSpPr>
+            <a:spLocks noGrp="1"/>
+          </p:cNvSpPr>
+          <p:nvPr>
+            <p:ph type="title"/>
+          </p:nvPr>
+        </p:nvSpPr>
+        <p:spPr/>
+        <p:txBody>
+          <a:bodyPr/>
+          <a:p>
+            <a:r>
+              <a:rPr lang="en-US"/>
+              <a:t>CUDA </a:t>
+            </a:r>
+            <a:r>
+              <a:rPr lang="zh-CN" altLang="en-US"/>
+              <a:t>纹理对象：封装</a:t>
+            </a:r>
+            <a:endParaRPr lang="zh-CN" altLang="en-US"/>
+          </a:p>
+        </p:txBody>
+      </p:sp>
+      <p:sp>
+        <p:nvSpPr>
+          <p:cNvPr id="4" name="Content Placeholder 3"/>
+          <p:cNvSpPr>
+            <a:spLocks noGrp="1"/>
+          </p:cNvSpPr>
+          <p:nvPr>
+            <p:ph sz="half" idx="1"/>
+          </p:nvPr>
+        </p:nvSpPr>
+        <p:spPr/>
+        <p:txBody>
+          <a:bodyPr/>
+          <a:p>
+            <a:endParaRPr lang="en-US"/>
+          </a:p>
+        </p:txBody>
+      </p:sp>
+      <p:pic>
+        <p:nvPicPr>
+          <p:cNvPr id="12" name="Content Placeholder 11"/>
+          <p:cNvPicPr>
+            <a:picLocks noChangeAspect="1"/>
+          </p:cNvPicPr>
+          <p:nvPr>
+            <p:ph sz="half" idx="2"/>
+          </p:nvPr>
+        </p:nvPicPr>
+        <p:blipFill>
+          <a:blip r:embed="rId1"/>
+          <a:stretch>
+            <a:fillRect/>
+          </a:stretch>
+        </p:blipFill>
+        <p:spPr>
+          <a:xfrm>
+            <a:off x="6911975" y="-12065"/>
+            <a:ext cx="5280025" cy="6870065"/>
+          </a:xfrm>
+          <a:prstGeom prst="rect">
+            <a:avLst/>
+          </a:prstGeom>
+        </p:spPr>
+      </p:pic>
+    </p:spTree>
+  </p:cSld>
+  <p:clrMapOvr>
+    <a:masterClrMapping/>
+  </p:clrMapOvr>
+</p:sld>
+</file>
+
+<file path=ppt/slides/slide7.xml><?xml version="1.0" encoding="utf-8"?>
+<p:sld xmlns:a="http://schemas.openxmlformats.org/drawingml/2006/main" xmlns:r="http://schemas.openxmlformats.org/officeDocument/2006/relationships" xmlns:p="http://schemas.openxmlformats.org/presentationml/2006/main">
+  <p:cSld>
+    <p:spTree>
+      <p:nvGrpSpPr>
+        <p:cNvPr id="1" name=""/>
+        <p:cNvGrpSpPr/>
+        <p:nvPr/>
+      </p:nvGrpSpPr>
+      <p:grpSpPr/>
+      <p:sp>
+        <p:nvSpPr>
+          <p:cNvPr id="2" name="Title 1"/>
+          <p:cNvSpPr>
+            <a:spLocks noGrp="1"/>
+          </p:cNvSpPr>
+          <p:nvPr>
+            <p:ph type="title"/>
+          </p:nvPr>
+        </p:nvSpPr>
+        <p:spPr/>
+        <p:txBody>
+          <a:bodyPr/>
+          <a:p>
+            <a:r>
+              <a:rPr lang="zh-CN" altLang="en-US"/>
+              <a:t>烟雾仿真系统：封装</a:t>
+            </a:r>
+            <a:endParaRPr lang="zh-CN" altLang="en-US"/>
+          </a:p>
+        </p:txBody>
+      </p:sp>
+      <p:sp>
+        <p:nvSpPr>
+          <p:cNvPr id="3" name="Content Placeholder 2"/>
+          <p:cNvSpPr>
+            <a:spLocks noGrp="1"/>
+          </p:cNvSpPr>
+          <p:nvPr>
+            <p:ph sz="half" idx="1"/>
+          </p:nvPr>
+        </p:nvSpPr>
+        <p:spPr>
+          <a:xfrm>
+            <a:off x="647700" y="1825625"/>
+            <a:ext cx="3065780" cy="4351655"/>
+          </a:xfrm>
+        </p:spPr>
+        <p:txBody>
+          <a:bodyPr/>
+          <a:p>
+            <a:endParaRPr lang="en-US"/>
+          </a:p>
+        </p:txBody>
+      </p:sp>
+      <p:pic>
+        <p:nvPicPr>
+          <p:cNvPr id="5" name="Content Placeholder 4"/>
+          <p:cNvPicPr>
+            <a:picLocks noChangeAspect="1"/>
+          </p:cNvPicPr>
+          <p:nvPr>
+            <p:ph sz="half" idx="2"/>
+          </p:nvPr>
+        </p:nvPicPr>
+        <p:blipFill>
+          <a:blip r:embed="rId1"/>
+          <a:stretch>
+            <a:fillRect/>
+          </a:stretch>
+        </p:blipFill>
+        <p:spPr>
+          <a:xfrm>
+            <a:off x="3889375" y="0"/>
+            <a:ext cx="8302625" cy="6858000"/>
+          </a:xfrm>
+          <a:prstGeom prst="rect">
+            <a:avLst/>
+          </a:prstGeom>
+        </p:spPr>
+      </p:pic>
+    </p:spTree>
+  </p:cSld>
+  <p:clrMapOvr>
+    <a:masterClrMapping/>
+  </p:clrMapOvr>
+</p:sld>
+</file>
+
+<file path=ppt/slides/slide8.xml><?xml version="1.0" encoding="utf-8"?>
+<p:sld xmlns:a="http://schemas.openxmlformats.org/drawingml/2006/main" xmlns:r="http://schemas.openxmlformats.org/officeDocument/2006/relationships" xmlns:p="http://schemas.openxmlformats.org/presentationml/2006/main">
+  <p:cSld>
+    <p:spTree>
+      <p:nvGrpSpPr>
+        <p:cNvPr id="1" name=""/>
+        <p:cNvGrpSpPr/>
+        <p:nvPr/>
+      </p:nvGrpSpPr>
+      <p:grpSpPr/>
+      <p:sp>
+        <p:nvSpPr>
+          <p:cNvPr id="5" name="Title 4"/>
+          <p:cNvSpPr>
+            <a:spLocks noGrp="1"/>
+          </p:cNvSpPr>
+          <p:nvPr>
+            <p:ph type="title"/>
+          </p:nvPr>
+        </p:nvSpPr>
+        <p:spPr/>
+        <p:txBody>
+          <a:bodyPr/>
+          <a:p>
+            <a:r>
+              <a:rPr lang="zh-CN" altLang="en-US"/>
+              <a:t>对流部分</a:t>
+            </a:r>
+            <a:endParaRPr lang="zh-CN" altLang="en-US"/>
+          </a:p>
+        </p:txBody>
+      </p:sp>
+    </p:spTree>
+  </p:cSld>
+  <p:clrMapOvr>
+    <a:masterClrMapping/>
+  </p:clrMapOvr>
+</p:sld>
+</file>
+
+<file path=ppt/slides/slide9.xml><?xml version="1.0" encoding="utf-8"?>
+<p:sld xmlns:a="http://schemas.openxmlformats.org/drawingml/2006/main" xmlns:r="http://schemas.openxmlformats.org/officeDocument/2006/relationships" xmlns:p="http://schemas.openxmlformats.org/presentationml/2006/main">
+  <p:cSld>
+    <p:spTree>
+      <p:nvGrpSpPr>
+        <p:cNvPr id="1" name=""/>
+        <p:cNvGrpSpPr/>
+        <p:nvPr/>
+      </p:nvGrpSpPr>
+      <p:grpSpPr/>
+      <p:sp>
+        <p:nvSpPr>
+          <p:cNvPr id="2" name="Title 1"/>
+          <p:cNvSpPr>
+            <a:spLocks noGrp="1"/>
+          </p:cNvSpPr>
+          <p:nvPr>
+            <p:ph type="title"/>
+          </p:nvPr>
+        </p:nvSpPr>
+        <p:spPr/>
+        <p:txBody>
+          <a:bodyPr/>
+          <a:p>
+            <a:r>
+              <a:rPr lang="zh-CN" altLang="en-US">
+                <a:sym typeface="+mn-ea"/>
+              </a:rPr>
+              <a:t>对流部分：计算对流后位置（</a:t>
+            </a:r>
+            <a:r>
+              <a:rPr lang="en-US" altLang="zh-CN">
+                <a:sym typeface="+mn-ea"/>
+              </a:rPr>
+              <a:t>RK3</a:t>
+            </a:r>
+            <a:r>
+              <a:rPr lang="zh-CN" altLang="en-US">
+                <a:sym typeface="+mn-ea"/>
+              </a:rPr>
+              <a:t>）</a:t>
+            </a:r>
+            <a:endParaRPr lang="en-US"/>
+          </a:p>
+        </p:txBody>
+      </p:sp>
+      <p:sp>
+        <p:nvSpPr>
+          <p:cNvPr id="3" name="Content Placeholder 2"/>
+          <p:cNvSpPr>
+            <a:spLocks noGrp="1"/>
+          </p:cNvSpPr>
+          <p:nvPr>
+            <p:ph sz="half" idx="1"/>
+          </p:nvPr>
+        </p:nvSpPr>
+        <p:spPr>
+          <a:xfrm>
+            <a:off x="647700" y="1367155"/>
+            <a:ext cx="10790555" cy="1677670"/>
+          </a:xfrm>
+        </p:spPr>
+        <p:txBody>
+          <a:bodyPr/>
+          <a:p>
+            <a:endParaRPr lang="en-US"/>
+          </a:p>
+        </p:txBody>
+      </p:sp>
+      <p:pic>
+        <p:nvPicPr>
+          <p:cNvPr id="5" name="Content Placeholder 4"/>
+          <p:cNvPicPr>
+            <a:picLocks noChangeAspect="1"/>
+          </p:cNvPicPr>
+          <p:nvPr>
+            <p:ph sz="half" idx="2"/>
+          </p:nvPr>
+        </p:nvPicPr>
+        <p:blipFill>
+          <a:blip r:embed="rId1"/>
+          <a:stretch>
+            <a:fillRect/>
+          </a:stretch>
+        </p:blipFill>
+        <p:spPr>
+          <a:xfrm>
+            <a:off x="635" y="2655570"/>
+            <a:ext cx="12191365" cy="4202430"/>
+          </a:xfrm>
+          <a:prstGeom prst="rect">
+            <a:avLst/>
+          </a:prstGeom>
+        </p:spPr>
+      </p:pic>
     </p:spTree>
   </p:cSld>
   <p:clrMapOvr>
